--- a/Mini-project midterm report-.pptx
+++ b/Mini-project midterm report-.pptx
@@ -228,7 +228,7 @@
                 <a:latin typeface="Microsoft YaHei UI" panose="020B0503020204020204" pitchFamily="34" charset="-122"/>
                 <a:ea typeface="Microsoft YaHei UI" panose="020B0503020204020204" pitchFamily="34" charset="-122"/>
               </a:rPr>
-              <a:t>2024/3/8</a:t>
+              <a:t>2024/3/11</a:t>
             </a:fld>
             <a:endParaRPr lang="zh-CN" altLang="en-US">
               <a:latin typeface="Microsoft YaHei UI" panose="020B0503020204020204" pitchFamily="34" charset="-122"/>
@@ -426,7 +426,7 @@
           <a:p>
             <a:fld id="{9BFF3C72-DB5A-4AA9-96E0-40D7A7C88DA5}" type="datetime1">
               <a:rPr lang="zh-CN" altLang="en-US" noProof="0" smtClean="0"/>
-              <a:t>2024/3/8</a:t>
+              <a:t>2024/3/11</a:t>
             </a:fld>
             <a:endParaRPr lang="zh-CN" altLang="en-US" noProof="0"/>
           </a:p>
@@ -1519,7 +1519,7 @@
           <a:p>
             <a:fld id="{740F3E85-5501-4432-AF99-54E0CA5A4C80}" type="datetime1">
               <a:rPr lang="zh-CN" altLang="en-US" smtClean="0"/>
-              <a:t>2024/3/8</a:t>
+              <a:t>2024/3/11</a:t>
             </a:fld>
             <a:endParaRPr lang="zh-CN" altLang="en-US"/>
           </a:p>
@@ -1814,7 +1814,7 @@
           <a:p>
             <a:fld id="{D33DC6BC-F496-4526-8902-CE401331162A}" type="datetime1">
               <a:rPr lang="zh-CN" altLang="en-US" noProof="0" smtClean="0"/>
-              <a:t>2024/3/8</a:t>
+              <a:t>2024/3/11</a:t>
             </a:fld>
             <a:endParaRPr lang="zh-CN" altLang="en-US" noProof="0"/>
           </a:p>
@@ -2064,7 +2064,7 @@
             <a:pPr rtl="0"/>
             <a:fld id="{70184BDE-112C-4E3C-BDD8-A46EC2EAB444}" type="datetime1">
               <a:rPr lang="zh-CN" altLang="en-US" noProof="0" smtClean="0"/>
-              <a:t>2024/3/8</a:t>
+              <a:t>2024/3/11</a:t>
             </a:fld>
             <a:endParaRPr lang="zh-CN" altLang="en-US" noProof="0"/>
           </a:p>
@@ -2351,7 +2351,7 @@
           <a:p>
             <a:fld id="{59A7691A-8DBD-4066-BF47-535BB956A25F}" type="datetime1">
               <a:rPr lang="zh-CN" altLang="en-US" noProof="0" smtClean="0"/>
-              <a:t>2024/3/8</a:t>
+              <a:t>2024/3/11</a:t>
             </a:fld>
             <a:endParaRPr lang="zh-CN" altLang="en-US" noProof="0"/>
           </a:p>
@@ -2679,7 +2679,7 @@
           <a:p>
             <a:fld id="{B69BE3FC-432A-4F95-82F8-E3071544B4B5}" type="datetime1">
               <a:rPr lang="zh-CN" altLang="en-US" noProof="0" smtClean="0"/>
-              <a:t>2024/3/8</a:t>
+              <a:t>2024/3/11</a:t>
             </a:fld>
             <a:endParaRPr lang="zh-CN" altLang="en-US" noProof="0"/>
           </a:p>
@@ -3060,7 +3060,7 @@
           <a:p>
             <a:fld id="{861EFBB1-FBE4-477F-81AB-871C3BD12407}" type="datetime1">
               <a:rPr lang="zh-CN" altLang="en-US" noProof="0" smtClean="0"/>
-              <a:t>2024/3/8</a:t>
+              <a:t>2024/3/11</a:t>
             </a:fld>
             <a:endParaRPr lang="zh-CN" altLang="en-US" noProof="0"/>
           </a:p>
@@ -3575,7 +3575,7 @@
           <a:p>
             <a:fld id="{A5AEE56D-F728-41E1-AB72-185C4152BF39}" type="datetime1">
               <a:rPr lang="zh-CN" altLang="en-US" noProof="0" smtClean="0"/>
-              <a:t>2024/3/8</a:t>
+              <a:t>2024/3/11</a:t>
             </a:fld>
             <a:endParaRPr lang="zh-CN" altLang="en-US" noProof="0"/>
           </a:p>
@@ -3692,7 +3692,7 @@
           <a:p>
             <a:fld id="{45884CE3-810C-4A99-B743-7969872A8037}" type="datetime1">
               <a:rPr lang="zh-CN" altLang="en-US" noProof="0" smtClean="0"/>
-              <a:t>2024/3/8</a:t>
+              <a:t>2024/3/11</a:t>
             </a:fld>
             <a:endParaRPr lang="zh-CN" altLang="en-US" noProof="0"/>
           </a:p>
@@ -3883,7 +3883,7 @@
           <a:p>
             <a:fld id="{D8827FEE-18ED-4739-A9FF-14C2F6D4C66F}" type="datetime1">
               <a:rPr lang="zh-CN" altLang="en-US" smtClean="0"/>
-              <a:t>2024/3/8</a:t>
+              <a:t>2024/3/11</a:t>
             </a:fld>
             <a:endParaRPr lang="zh-CN" altLang="en-US"/>
           </a:p>
@@ -4291,7 +4291,7 @@
           <a:p>
             <a:fld id="{1E8FD737-AF5D-42F6-9593-A791E4A2E40B}" type="datetime1">
               <a:rPr lang="zh-CN" altLang="en-US" noProof="0" smtClean="0"/>
-              <a:t>2024/3/8</a:t>
+              <a:t>2024/3/11</a:t>
             </a:fld>
             <a:endParaRPr lang="zh-CN" altLang="en-US" noProof="0"/>
           </a:p>
@@ -4600,7 +4600,7 @@
           <a:p>
             <a:fld id="{12F3E445-1550-4268-8B79-D5D9D4C9958A}" type="datetime1">
               <a:rPr lang="zh-CN" altLang="en-US" noProof="0" smtClean="0"/>
-              <a:t>2024/3/8</a:t>
+              <a:t>2024/3/11</a:t>
             </a:fld>
             <a:endParaRPr lang="zh-CN" altLang="en-US" noProof="0"/>
           </a:p>
@@ -4827,7 +4827,7 @@
           <a:p>
             <a:fld id="{AE03A009-E72B-4350-9C8A-8E7EF73D113B}" type="datetime1">
               <a:rPr lang="zh-CN" altLang="en-US" noProof="0" smtClean="0"/>
-              <a:t>2024/3/8</a:t>
+              <a:t>2024/3/11</a:t>
             </a:fld>
             <a:endParaRPr lang="zh-CN" altLang="en-US" noProof="0"/>
           </a:p>
@@ -6105,11 +6105,19 @@
               <a:buChar char="l"/>
             </a:pPr>
             <a:r>
-              <a:rPr lang="en-US" altLang="zh-CN" sz="2000" dirty="0"/>
-              <a:t>Understanding of the problem:</a:t>
+              <a:rPr lang="en-US" altLang="zh-CN" sz="2000" b="1" dirty="0"/>
+              <a:t>Understanding of the problem</a:t>
+            </a:r>
+            <a:r>
+              <a:rPr lang="zh-CN" altLang="en-US" sz="2000" b="1" dirty="0"/>
+              <a:t>（</a:t>
+            </a:r>
+            <a:r>
+              <a:rPr lang="en-US" altLang="zh-CN" sz="2000" b="1" dirty="0"/>
+              <a:t>Tasks 1):</a:t>
             </a:r>
             <a:br>
-              <a:rPr lang="en-US" altLang="zh-CN" sz="2000" dirty="0"/>
+              <a:rPr lang="en-US" altLang="zh-CN" sz="2000" b="1" dirty="0"/>
             </a:br>
             <a:r>
               <a:rPr lang="en-US" altLang="zh-CN" sz="2000" dirty="0"/>
@@ -6260,7 +6268,7 @@
         </p:blipFill>
         <p:spPr>
           <a:xfrm>
-            <a:off x="469432" y="2063916"/>
+            <a:off x="469432" y="1900022"/>
             <a:ext cx="2160000" cy="2160000"/>
           </a:xfrm>
           <a:prstGeom prst="rect">
@@ -6320,7 +6328,7 @@
         </p:blipFill>
         <p:spPr>
           <a:xfrm>
-            <a:off x="3612488" y="2063916"/>
+            <a:off x="3612488" y="1900022"/>
             <a:ext cx="3600000" cy="3600000"/>
           </a:xfrm>
           <a:prstGeom prst="rect">
@@ -6350,7 +6358,7 @@
         </p:blipFill>
         <p:spPr>
           <a:xfrm>
-            <a:off x="7629533" y="2058565"/>
+            <a:off x="7629533" y="1894671"/>
             <a:ext cx="3600000" cy="3600000"/>
           </a:xfrm>
           <a:prstGeom prst="rect">
@@ -6374,8 +6382,8 @@
         </p:nvSpPr>
         <p:spPr>
           <a:xfrm>
-            <a:off x="3660509" y="5533451"/>
-            <a:ext cx="5655696" cy="2105329"/>
+            <a:off x="2806493" y="5455814"/>
+            <a:ext cx="8977189" cy="2105329"/>
           </a:xfrm>
           <a:prstGeom prst="rect">
             <a:avLst/>
@@ -6591,18 +6599,107 @@
               <a:buChar char="l"/>
             </a:pPr>
             <a:r>
-              <a:rPr lang="en-US" altLang="zh-CN" sz="1700" b="1" dirty="0">
+              <a:rPr lang="en-US" altLang="zh-CN" sz="1500" b="1" dirty="0">
                 <a:solidFill>
                   <a:srgbClr val="C00000"/>
                 </a:solidFill>
               </a:rPr>
-              <a:t>Something to explain graphs</a:t>
-            </a:r>
-            <a:endParaRPr lang="zh-CN" altLang="en-US" sz="1700" dirty="0">
-              <a:solidFill>
-                <a:srgbClr val="C00000"/>
-              </a:solidFill>
-            </a:endParaRPr>
+              <a:t>Data sources : </a:t>
+            </a:r>
+            <a:r>
+              <a:rPr lang="en-US" altLang="zh-CN" sz="1500" b="1" dirty="0" err="1">
+                <a:solidFill>
+                  <a:srgbClr val="C00000"/>
+                </a:solidFill>
+              </a:rPr>
+              <a:t>VDJdb</a:t>
+            </a:r>
+            <a:r>
+              <a:rPr lang="en-US" altLang="zh-CN" sz="1500" b="1" dirty="0">
+                <a:solidFill>
+                  <a:srgbClr val="C00000"/>
+                </a:solidFill>
+              </a:rPr>
+              <a:t> https://vdjdb.cdr3.net/search</a:t>
+            </a:r>
+          </a:p>
+          <a:p>
+            <a:pPr>
+              <a:buFont typeface="Wingdings" panose="05000000000000000000" pitchFamily="2" charset="2"/>
+              <a:buChar char="l"/>
+            </a:pPr>
+            <a:r>
+              <a:rPr lang="en-US" altLang="zh-CN" sz="1500" b="1" dirty="0">
+                <a:solidFill>
+                  <a:srgbClr val="C00000"/>
+                </a:solidFill>
+              </a:rPr>
+              <a:t>Data summary : From the graphs, we can see that TRB is more than TRA; MHCI accounts for the vast majority, at 95.3%; The</a:t>
+            </a:r>
+            <a:r>
+              <a:rPr lang="zh-CN" altLang="en-US" sz="1500" b="1" dirty="0">
+                <a:solidFill>
+                  <a:srgbClr val="C00000"/>
+                </a:solidFill>
+              </a:rPr>
+              <a:t> </a:t>
+            </a:r>
+            <a:r>
+              <a:rPr lang="en-US" altLang="zh-CN" sz="1500" b="1" dirty="0">
+                <a:solidFill>
+                  <a:srgbClr val="C00000"/>
+                </a:solidFill>
+              </a:rPr>
+              <a:t>heatmap</a:t>
+            </a:r>
+            <a:r>
+              <a:rPr lang="zh-CN" altLang="en-US" sz="1500" b="1" dirty="0">
+                <a:solidFill>
+                  <a:srgbClr val="C00000"/>
+                </a:solidFill>
+              </a:rPr>
+              <a:t> </a:t>
+            </a:r>
+            <a:r>
+              <a:rPr lang="en-US" altLang="zh-CN" sz="1500" b="1" dirty="0">
+                <a:solidFill>
+                  <a:srgbClr val="C00000"/>
+                </a:solidFill>
+              </a:rPr>
+              <a:t>shows</a:t>
+            </a:r>
+            <a:r>
+              <a:rPr lang="zh-CN" altLang="en-US" sz="1500" b="1" dirty="0">
+                <a:solidFill>
+                  <a:srgbClr val="C00000"/>
+                </a:solidFill>
+              </a:rPr>
+              <a:t> </a:t>
+            </a:r>
+            <a:r>
+              <a:rPr lang="en-US" altLang="zh-CN" sz="1500" b="1" dirty="0">
+                <a:solidFill>
+                  <a:srgbClr val="C00000"/>
+                </a:solidFill>
+              </a:rPr>
+              <a:t>the</a:t>
+            </a:r>
+            <a:r>
+              <a:rPr lang="zh-CN" altLang="en-US" sz="1500" b="1" dirty="0">
+                <a:solidFill>
+                  <a:srgbClr val="C00000"/>
+                </a:solidFill>
+              </a:rPr>
+              <a:t> </a:t>
+            </a:r>
+            <a:r>
+              <a:rPr lang="en-US" altLang="zh-CN" sz="1500" b="1" dirty="0">
+                <a:solidFill>
+                  <a:srgbClr val="C00000"/>
+                </a:solidFill>
+              </a:rPr>
+              <a:t>correlation between the V vs J gene usage and the network graph shows the association between the Antigen Epitopes w.r.t the TCR’s.</a:t>
+            </a:r>
           </a:p>
           <a:p>
             <a:pPr>
@@ -6829,7 +6926,7 @@
         </p:nvSpPr>
         <p:spPr>
           <a:xfrm>
-            <a:off x="431670" y="4023013"/>
+            <a:off x="431670" y="4031639"/>
             <a:ext cx="5655696" cy="2105329"/>
           </a:xfrm>
           <a:prstGeom prst="rect">
@@ -7063,7 +7160,7 @@
                   <a:schemeClr val="tx1"/>
                 </a:solidFill>
               </a:rPr>
-              <a:t>For KNN, n-neighbors=15 is the best result, accuracy = 0.4406; we use accuracy as a baseline and as a reference for subsequent methods.</a:t>
+              <a:t>For KNN, n-neighbors=15 is the best result, accuracy = 0.4406, This result is good. Considering that there are more than a thousand epitopes, this accuracy indicates that cdr3 encoding can represent the TCR well; we use accuracy as a baseline and as a reference for subsequent methods.</a:t>
             </a:r>
             <a:endParaRPr lang="zh-CN" altLang="en-US" sz="1700" dirty="0">
               <a:solidFill>
@@ -7117,96 +7214,6 @@
           <a:chExt cx="0" cy="0"/>
         </a:xfrm>
       </p:grpSpPr>
-      <p:sp>
-        <p:nvSpPr>
-          <p:cNvPr id="2" name="标题 1">
-            <a:extLst>
-              <a:ext uri="{FF2B5EF4-FFF2-40B4-BE49-F238E27FC236}">
-                <a16:creationId xmlns:a16="http://schemas.microsoft.com/office/drawing/2014/main" id="{921633EB-7DCB-4DDC-80AF-C885A3EE1245}"/>
-              </a:ext>
-            </a:extLst>
-          </p:cNvPr>
-          <p:cNvSpPr>
-            <a:spLocks noGrp="1"/>
-          </p:cNvSpPr>
-          <p:nvPr>
-            <p:ph type="title"/>
-          </p:nvPr>
-        </p:nvSpPr>
-        <p:spPr>
-          <a:xfrm>
-            <a:off x="581193" y="738284"/>
-            <a:ext cx="11029616" cy="988332"/>
-          </a:xfrm>
-        </p:spPr>
-        <p:txBody>
-          <a:bodyPr rtlCol="0">
-            <a:noAutofit/>
-          </a:bodyPr>
-          <a:lstStyle/>
-          <a:p>
-            <a:pPr marL="342900" indent="-342900" rtl="0">
-              <a:buFont typeface="Wingdings" panose="05000000000000000000" pitchFamily="2" charset="2"/>
-              <a:buChar char="l"/>
-            </a:pPr>
-            <a:r>
-              <a:rPr lang="en-US" altLang="zh-CN" sz="2000" dirty="0"/>
-              <a:t>We Base on biological matrices and one-hot for encoding and comparison of </a:t>
-            </a:r>
-            <a:r>
-              <a:rPr lang="en-US" altLang="zh-CN" sz="2000" dirty="0" err="1"/>
-              <a:t>knn</a:t>
-            </a:r>
-            <a:r>
-              <a:rPr lang="en-US" altLang="zh-CN" sz="2000" dirty="0"/>
-              <a:t> accuracy, and we found that one-hot has the best effect. </a:t>
-            </a:r>
-            <a:endParaRPr lang="zh-CN" altLang="en-US" sz="2000" dirty="0"/>
-          </a:p>
-        </p:txBody>
-      </p:sp>
-      <p:sp>
-        <p:nvSpPr>
-          <p:cNvPr id="4" name="内容占位符 3">
-            <a:extLst>
-              <a:ext uri="{FF2B5EF4-FFF2-40B4-BE49-F238E27FC236}">
-                <a16:creationId xmlns:a16="http://schemas.microsoft.com/office/drawing/2014/main" id="{170826FC-A9E0-707C-9AB3-AFF3468823E9}"/>
-              </a:ext>
-            </a:extLst>
-          </p:cNvPr>
-          <p:cNvSpPr>
-            <a:spLocks noGrp="1"/>
-          </p:cNvSpPr>
-          <p:nvPr>
-            <p:ph sz="half" idx="2"/>
-          </p:nvPr>
-        </p:nvSpPr>
-        <p:spPr>
-          <a:xfrm>
-            <a:off x="6188417" y="1072065"/>
-            <a:ext cx="5422392" cy="3633047"/>
-          </a:xfrm>
-        </p:spPr>
-        <p:txBody>
-          <a:bodyPr/>
-          <a:lstStyle/>
-          <a:p>
-            <a:r>
-              <a:rPr lang="en-US" altLang="zh-CN" dirty="0"/>
-              <a:t>We hope to compare the performance of different encoding methods in </a:t>
-            </a:r>
-            <a:r>
-              <a:rPr lang="en-US" altLang="zh-CN" dirty="0" err="1"/>
-              <a:t>knn</a:t>
-            </a:r>
-            <a:r>
-              <a:rPr lang="en-US" altLang="zh-CN" dirty="0"/>
-              <a:t> and compare which method has higher accuracy.</a:t>
-            </a:r>
-            <a:endParaRPr lang="zh-CN" altLang="en-US" dirty="0"/>
-          </a:p>
-        </p:txBody>
-      </p:sp>
       <p:pic>
         <p:nvPicPr>
           <p:cNvPr id="5" name="内容占位符 4">
@@ -7223,19 +7230,120 @@
             <p:ph sz="half" idx="1"/>
           </p:nvPr>
         </p:nvPicPr>
-        <p:blipFill>
+        <p:blipFill rotWithShape="1">
           <a:blip r:embed="rId3"/>
-          <a:stretch>
-            <a:fillRect/>
-          </a:stretch>
+          <a:srcRect t="5767" r="4896"/>
+          <a:stretch/>
         </p:blipFill>
         <p:spPr>
           <a:xfrm>
-            <a:off x="1162509" y="2227263"/>
-            <a:ext cx="4259932" cy="3633787"/>
+            <a:off x="429266" y="1864636"/>
+            <a:ext cx="6031919" cy="5098220"/>
           </a:xfrm>
         </p:spPr>
       </p:pic>
+      <p:sp>
+        <p:nvSpPr>
+          <p:cNvPr id="4" name="内容占位符 3">
+            <a:extLst>
+              <a:ext uri="{FF2B5EF4-FFF2-40B4-BE49-F238E27FC236}">
+                <a16:creationId xmlns:a16="http://schemas.microsoft.com/office/drawing/2014/main" id="{170826FC-A9E0-707C-9AB3-AFF3468823E9}"/>
+              </a:ext>
+            </a:extLst>
+          </p:cNvPr>
+          <p:cNvSpPr>
+            <a:spLocks noGrp="1"/>
+          </p:cNvSpPr>
+          <p:nvPr>
+            <p:ph sz="half" idx="2"/>
+          </p:nvPr>
+        </p:nvSpPr>
+        <p:spPr>
+          <a:xfrm>
+            <a:off x="6378195" y="1900196"/>
+            <a:ext cx="5422392" cy="3633047"/>
+          </a:xfrm>
+        </p:spPr>
+        <p:txBody>
+          <a:bodyPr/>
+          <a:lstStyle/>
+          <a:p>
+            <a:r>
+              <a:rPr lang="en-US" altLang="zh-CN" dirty="0"/>
+              <a:t>We hope to compare the performance of different encoding methods in KNN and compare which method has higher accuracy.</a:t>
+            </a:r>
+          </a:p>
+          <a:p>
+            <a:r>
+              <a:rPr lang="en-US" altLang="zh-CN" dirty="0"/>
+              <a:t>Because one-hot has the highest accuracy, we decided to use one-hot as the encoding method to complete the calculation of the distance matrix and the classification, dimensionality reduction, and clustering of TCR.</a:t>
+            </a:r>
+          </a:p>
+          <a:p>
+            <a:r>
+              <a:rPr lang="en-US" altLang="zh-CN" dirty="0"/>
+              <a:t>We need to explore other methods such as </a:t>
+            </a:r>
+            <a:r>
+              <a:rPr lang="en-US" altLang="zh-CN" dirty="0" err="1"/>
+              <a:t>TCRdist</a:t>
+            </a:r>
+            <a:r>
+              <a:rPr lang="en-US" altLang="zh-CN" dirty="0"/>
+              <a:t>, GLIPH, GIANA, etc.</a:t>
+            </a:r>
+            <a:endParaRPr lang="zh-CN" altLang="en-US" dirty="0"/>
+          </a:p>
+        </p:txBody>
+      </p:sp>
+      <p:sp>
+        <p:nvSpPr>
+          <p:cNvPr id="2" name="标题 1">
+            <a:extLst>
+              <a:ext uri="{FF2B5EF4-FFF2-40B4-BE49-F238E27FC236}">
+                <a16:creationId xmlns:a16="http://schemas.microsoft.com/office/drawing/2014/main" id="{921633EB-7DCB-4DDC-80AF-C885A3EE1245}"/>
+              </a:ext>
+            </a:extLst>
+          </p:cNvPr>
+          <p:cNvSpPr>
+            <a:spLocks noGrp="1"/>
+          </p:cNvSpPr>
+          <p:nvPr>
+            <p:ph type="title"/>
+          </p:nvPr>
+        </p:nvSpPr>
+        <p:spPr>
+          <a:xfrm>
+            <a:off x="581193" y="738284"/>
+            <a:ext cx="11029616" cy="988332"/>
+          </a:xfrm>
+        </p:spPr>
+        <p:txBody>
+          <a:bodyPr rtlCol="0">
+            <a:noAutofit/>
+          </a:bodyPr>
+          <a:lstStyle/>
+          <a:p>
+            <a:pPr marL="342900" indent="-342900" rtl="0">
+              <a:buFont typeface="Wingdings" panose="05000000000000000000" pitchFamily="2" charset="2"/>
+              <a:buChar char="l"/>
+            </a:pPr>
+            <a:r>
+              <a:rPr lang="en-US" altLang="zh-CN" sz="2000" dirty="0"/>
+              <a:t>We Base on biological matrices and one-hot for encoding and comparison of </a:t>
+            </a:r>
+            <a:r>
+              <a:rPr lang="en-US" altLang="zh-CN" sz="2000" dirty="0" err="1"/>
+              <a:t>knn</a:t>
+            </a:r>
+            <a:r>
+              <a:rPr lang="en-US" altLang="zh-CN" sz="2000" dirty="0"/>
+              <a:t> accuracy, and we found that one-hot has the best effect. </a:t>
+            </a:r>
+            <a:endParaRPr lang="zh-CN" altLang="en-US" sz="2000" dirty="0"/>
+          </a:p>
+        </p:txBody>
+      </p:sp>
     </p:spTree>
     <p:extLst>
       <p:ext uri="{BB962C8B-B14F-4D97-AF65-F5344CB8AC3E}">
@@ -7320,17 +7428,32 @@
             <p:ph sz="half" idx="2"/>
           </p:nvPr>
         </p:nvSpPr>
-        <p:spPr/>
+        <p:spPr>
+          <a:xfrm>
+            <a:off x="6188417" y="2435043"/>
+            <a:ext cx="5422392" cy="3633047"/>
+          </a:xfrm>
+        </p:spPr>
         <p:txBody>
           <a:bodyPr/>
           <a:lstStyle/>
           <a:p>
             <a:r>
-              <a:rPr lang="en-US" altLang="zh-CN" sz="1800" b="1"/>
+              <a:rPr lang="en-US" altLang="zh-CN" sz="1800" b="1" dirty="0"/>
               <a:t>Difficulties:</a:t>
             </a:r>
           </a:p>
           <a:p>
+            <a:r>
+              <a:rPr lang="en-US" altLang="zh-CN" dirty="0"/>
+              <a:t>When solving Task 3, we have 90,000+ pieces of cdr3 data. The large amount of data will occupy a lot of memory when calculating the distance matrix, resulting in too long calculation time.</a:t>
+            </a:r>
+          </a:p>
+          <a:p>
+            <a:r>
+              <a:rPr lang="en-US" altLang="zh-CN" sz="1800" dirty="0"/>
+              <a:t>By treating alpha and beta chains combined in the same way as single chains, we worry about losing information during the clustering and classification process.</a:t>
+            </a:r>
             <a:endParaRPr lang="en-US" altLang="zh-CN" sz="1800" b="1" dirty="0"/>
           </a:p>
           <a:p>
@@ -7363,6 +7486,8 @@
               <a:rPr lang="en-US" altLang="zh-CN" sz="1800" b="1" dirty="0"/>
               <a:t>Things to focus on next:</a:t>
             </a:r>
+          </a:p>
+          <a:p>
             <a:endParaRPr lang="en-US" altLang="zh-CN" b="1" dirty="0"/>
           </a:p>
           <a:p>
@@ -7380,7 +7505,7 @@
             </a:r>
             <a:r>
               <a:rPr lang="en-US" altLang="zh-CN" sz="1800" dirty="0"/>
-              <a:t>methods for V and J.</a:t>
+              <a:t>methods for V and J, and better classification methods for TCR.</a:t>
             </a:r>
           </a:p>
           <a:p>
@@ -7396,7 +7521,20 @@
               <a:rPr lang="en-US" altLang="zh-CN" sz="1800" dirty="0"/>
               <a:t> and CDR3.</a:t>
             </a:r>
-            <a:endParaRPr lang="zh-CN" altLang="en-US" dirty="0"/>
+          </a:p>
+          <a:p>
+            <a:r>
+              <a:rPr lang="en-US" altLang="zh-CN" sz="1800" dirty="0"/>
+              <a:t>We decided to try to use </a:t>
+            </a:r>
+            <a:r>
+              <a:rPr lang="en-US" altLang="zh-CN" sz="1800" dirty="0" err="1"/>
+              <a:t>TCRDist</a:t>
+            </a:r>
+            <a:r>
+              <a:rPr lang="en-US" altLang="zh-CN" sz="1800" dirty="0"/>
+              <a:t> to calculate the distance matrix first.</a:t>
+            </a:r>
           </a:p>
         </p:txBody>
       </p:sp>

--- a/Mini-project midterm report-.pptx
+++ b/Mini-project midterm report-.pptx
@@ -7214,34 +7214,6 @@
           <a:chExt cx="0" cy="0"/>
         </a:xfrm>
       </p:grpSpPr>
-      <p:pic>
-        <p:nvPicPr>
-          <p:cNvPr id="5" name="内容占位符 4">
-            <a:extLst>
-              <a:ext uri="{FF2B5EF4-FFF2-40B4-BE49-F238E27FC236}">
-                <a16:creationId xmlns:a16="http://schemas.microsoft.com/office/drawing/2014/main" id="{AE67CEEB-9D52-13CE-C6BF-C3787B418D67}"/>
-              </a:ext>
-            </a:extLst>
-          </p:cNvPr>
-          <p:cNvPicPr>
-            <a:picLocks noGrp="1" noChangeAspect="1"/>
-          </p:cNvPicPr>
-          <p:nvPr>
-            <p:ph sz="half" idx="1"/>
-          </p:nvPr>
-        </p:nvPicPr>
-        <p:blipFill rotWithShape="1">
-          <a:blip r:embed="rId3"/>
-          <a:srcRect t="5767" r="4896"/>
-          <a:stretch/>
-        </p:blipFill>
-        <p:spPr>
-          <a:xfrm>
-            <a:off x="429266" y="1864636"/>
-            <a:ext cx="6031919" cy="5098220"/>
-          </a:xfrm>
-        </p:spPr>
-      </p:pic>
       <p:sp>
         <p:nvSpPr>
           <p:cNvPr id="4" name="内容占位符 3">
@@ -7344,6 +7316,34 @@
           </a:p>
         </p:txBody>
       </p:sp>
+      <p:pic>
+        <p:nvPicPr>
+          <p:cNvPr id="8" name="内容占位符 7">
+            <a:extLst>
+              <a:ext uri="{FF2B5EF4-FFF2-40B4-BE49-F238E27FC236}">
+                <a16:creationId xmlns:a16="http://schemas.microsoft.com/office/drawing/2014/main" id="{C400574D-1692-A187-9484-03FDEE7B73F3}"/>
+              </a:ext>
+            </a:extLst>
+          </p:cNvPr>
+          <p:cNvPicPr>
+            <a:picLocks noGrp="1" noChangeAspect="1"/>
+          </p:cNvPicPr>
+          <p:nvPr>
+            <p:ph sz="half" idx="1"/>
+          </p:nvPr>
+        </p:nvPicPr>
+        <p:blipFill rotWithShape="1">
+          <a:blip r:embed="rId3"/>
+          <a:srcRect l="9935" t="10785" r="6564" b="4729"/>
+          <a:stretch/>
+        </p:blipFill>
+        <p:spPr>
+          <a:xfrm>
+            <a:off x="226740" y="1901111"/>
+            <a:ext cx="6201181" cy="4705787"/>
+          </a:xfrm>
+        </p:spPr>
+      </p:pic>
     </p:spTree>
     <p:extLst>
       <p:ext uri="{BB962C8B-B14F-4D97-AF65-F5344CB8AC3E}">
